--- a/Incident Report.pptx
+++ b/Incident Report.pptx
@@ -105,6 +105,11 @@
       </a:defRPr>
     </a:lvl9pPr>
   </p:defaultTextStyle>
+  <p:extLst>
+    <p:ext uri="{EFAFB233-063F-42B5-8137-9DF3F51BA10A}">
+      <p15:sldGuideLst xmlns:p15="http://schemas.microsoft.com/office/powerpoint/2012/main"/>
+    </p:ext>
+  </p:extLst>
 </p:presentation>
 </file>
 
@@ -257,7 +262,7 @@
             <a:fld id="{A37D6D71-8B28-4ED6-B932-04B197003D23}" type="datetimeFigureOut">
               <a:rPr lang="en-US" smtClean="0"/>
               <a:pPr algn="r"/>
-              <a:t>3/14/2022</a:t>
+              <a:t>3/16/2022</a:t>
             </a:fld>
             <a:endParaRPr lang="en-US" dirty="0"/>
           </a:p>
@@ -461,7 +466,7 @@
           <a:p>
             <a:fld id="{48A87A34-81AB-432B-8DAE-1953F412C126}" type="datetimeFigureOut">
               <a:rPr lang="en-US" smtClean="0"/>
-              <a:t>3/14/2022</a:t>
+              <a:t>3/16/2022</a:t>
             </a:fld>
             <a:endParaRPr lang="en-US" dirty="0"/>
           </a:p>
@@ -671,7 +676,7 @@
           <a:p>
             <a:fld id="{48A87A34-81AB-432B-8DAE-1953F412C126}" type="datetimeFigureOut">
               <a:rPr lang="en-US" smtClean="0"/>
-              <a:t>3/14/2022</a:t>
+              <a:t>3/16/2022</a:t>
             </a:fld>
             <a:endParaRPr lang="en-US" dirty="0"/>
           </a:p>
@@ -873,7 +878,7 @@
             <a:fld id="{A37D6D71-8B28-4ED6-B932-04B197003D23}" type="datetimeFigureOut">
               <a:rPr lang="en-US" smtClean="0"/>
               <a:pPr algn="r"/>
-              <a:t>3/14/2022</a:t>
+              <a:t>3/16/2022</a:t>
             </a:fld>
             <a:endParaRPr lang="en-US" dirty="0"/>
           </a:p>
@@ -1154,7 +1159,7 @@
           <a:p>
             <a:fld id="{48A87A34-81AB-432B-8DAE-1953F412C126}" type="datetimeFigureOut">
               <a:rPr lang="en-US" smtClean="0"/>
-              <a:t>3/14/2022</a:t>
+              <a:t>3/16/2022</a:t>
             </a:fld>
             <a:endParaRPr lang="en-US" dirty="0"/>
           </a:p>
@@ -1421,7 +1426,7 @@
           <a:p>
             <a:fld id="{48A87A34-81AB-432B-8DAE-1953F412C126}" type="datetimeFigureOut">
               <a:rPr lang="en-US" smtClean="0"/>
-              <a:t>3/14/2022</a:t>
+              <a:t>3/16/2022</a:t>
             </a:fld>
             <a:endParaRPr lang="en-US" dirty="0"/>
           </a:p>
@@ -1835,7 +1840,7 @@
           <a:p>
             <a:fld id="{48A87A34-81AB-432B-8DAE-1953F412C126}" type="datetimeFigureOut">
               <a:rPr lang="en-US" smtClean="0"/>
-              <a:t>3/14/2022</a:t>
+              <a:t>3/16/2022</a:t>
             </a:fld>
             <a:endParaRPr lang="en-US" dirty="0"/>
           </a:p>
@@ -1978,7 +1983,7 @@
           <a:p>
             <a:fld id="{48A87A34-81AB-432B-8DAE-1953F412C126}" type="datetimeFigureOut">
               <a:rPr lang="en-US" smtClean="0"/>
-              <a:t>3/14/2022</a:t>
+              <a:t>3/16/2022</a:t>
             </a:fld>
             <a:endParaRPr lang="en-US" dirty="0"/>
           </a:p>
@@ -2093,7 +2098,7 @@
           <a:p>
             <a:fld id="{48A87A34-81AB-432B-8DAE-1953F412C126}" type="datetimeFigureOut">
               <a:rPr lang="en-US" smtClean="0"/>
-              <a:t>3/14/2022</a:t>
+              <a:t>3/16/2022</a:t>
             </a:fld>
             <a:endParaRPr lang="en-US" dirty="0"/>
           </a:p>
@@ -2406,7 +2411,7 @@
           <a:p>
             <a:fld id="{48A87A34-81AB-432B-8DAE-1953F412C126}" type="datetimeFigureOut">
               <a:rPr lang="en-US" smtClean="0"/>
-              <a:t>3/14/2022</a:t>
+              <a:t>3/16/2022</a:t>
             </a:fld>
             <a:endParaRPr lang="en-US" dirty="0"/>
           </a:p>
@@ -2697,7 +2702,7 @@
             <a:fld id="{48A87A34-81AB-432B-8DAE-1953F412C126}" type="datetimeFigureOut">
               <a:rPr lang="en-US" smtClean="0"/>
               <a:pPr/>
-              <a:t>3/14/2022</a:t>
+              <a:t>3/16/2022</a:t>
             </a:fld>
             <a:endParaRPr lang="en-US" dirty="0"/>
           </a:p>
@@ -2941,7 +2946,7 @@
             <a:fld id="{48A87A34-81AB-432B-8DAE-1953F412C126}" type="datetimeFigureOut">
               <a:rPr lang="en-US" smtClean="0"/>
               <a:pPr/>
-              <a:t>3/14/2022</a:t>
+              <a:t>3/16/2022</a:t>
             </a:fld>
             <a:endParaRPr lang="en-US" dirty="0"/>
           </a:p>
@@ -3994,13 +3999,13 @@
             <p:ph idx="1"/>
             <p:extLst>
               <p:ext uri="{D42A27DB-BD31-4B8C-83A1-F6EECF244321}">
-                <p14:modId xmlns:p14="http://schemas.microsoft.com/office/powerpoint/2010/main" val="2218435866"/>
+                <p14:modId xmlns:p14="http://schemas.microsoft.com/office/powerpoint/2010/main" val="1036716695"/>
               </p:ext>
             </p:extLst>
           </p:nvPr>
         </p:nvGraphicFramePr>
         <p:xfrm>
-          <a:off x="719478" y="1485914"/>
+          <a:off x="719478" y="1165064"/>
           <a:ext cx="10251570" cy="832424"/>
         </p:xfrm>
         <a:graphic>
@@ -4296,9 +4301,10 @@
                     <a:lstStyle/>
                     <a:p>
                       <a:r>
-                        <a:rPr lang="en-US" sz="1200" dirty="0"/>
-                        <a:t>TBD</a:t>
+                        <a:rPr lang="en-US" sz="1200"/>
+                        <a:t>~$34.0k</a:t>
                       </a:r>
+                      <a:endParaRPr lang="en-US" sz="1200" dirty="0"/>
                     </a:p>
                   </a:txBody>
                   <a:tcPr marL="145316" marR="145316" marT="70946" marB="70946"/>
@@ -4433,14 +4439,14 @@
           <p:nvPr>
             <p:extLst>
               <p:ext uri="{D42A27DB-BD31-4B8C-83A1-F6EECF244321}">
-                <p14:modId xmlns:p14="http://schemas.microsoft.com/office/powerpoint/2010/main" val="2235137891"/>
+                <p14:modId xmlns:p14="http://schemas.microsoft.com/office/powerpoint/2010/main" val="2819098263"/>
               </p:ext>
             </p:extLst>
           </p:nvPr>
         </p:nvGraphicFramePr>
         <p:xfrm>
-          <a:off x="719478" y="2648877"/>
-          <a:ext cx="10251571" cy="1228088"/>
+          <a:off x="719478" y="2064563"/>
+          <a:ext cx="10251571" cy="2325368"/>
         </p:xfrm>
         <a:graphic>
           <a:graphicData uri="http://schemas.openxmlformats.org/drawingml/2006/table">
@@ -4571,7 +4577,7 @@
                     <a:p>
                       <a:r>
                         <a:rPr lang="en-US" sz="1200" dirty="0"/>
-                        <a:t> Traffic was moved from one region to another region and additional nodes were added to reduce the lag and time outs</a:t>
+                        <a:t>Traffic was moved from one region to another region and additional nodes were added to reduce the lag and time outs</a:t>
                       </a:r>
                     </a:p>
                   </a:txBody>
@@ -4584,7 +4590,7 @@
                     <a:p>
                       <a:r>
                         <a:rPr lang="en-US" sz="1200" dirty="0"/>
-                        <a:t>Meeting is scheduled with teams - YTD</a:t>
+                        <a:t>Cosmos DB on the cluster was down due to a planned maintenance by Microsoft which was notified but the developer was OOO so the communication is shared between teams, Instead of only one developer, the entire team DL was subscribed to any maintenance notifications</a:t>
                       </a:r>
                     </a:p>
                   </a:txBody>
@@ -4615,13 +4621,13 @@
           <p:nvPr>
             <p:extLst>
               <p:ext uri="{D42A27DB-BD31-4B8C-83A1-F6EECF244321}">
-                <p14:modId xmlns:p14="http://schemas.microsoft.com/office/powerpoint/2010/main" val="2567840444"/>
+                <p14:modId xmlns:p14="http://schemas.microsoft.com/office/powerpoint/2010/main" val="912131460"/>
               </p:ext>
             </p:extLst>
           </p:nvPr>
         </p:nvGraphicFramePr>
         <p:xfrm>
-          <a:off x="719479" y="4207504"/>
+          <a:off x="719478" y="4511870"/>
           <a:ext cx="4417886" cy="741680"/>
         </p:xfrm>
         <a:graphic>
